--- a/figs/Fig_Illustration.pptx
+++ b/figs/Fig_Illustration.pptx
@@ -243,7 +243,7 @@
           <a:p>
             <a:fld id="{2DF69B4B-5AE9-AC4D-9EFA-9FD7F0F1516D}" type="datetimeFigureOut">
               <a:rPr lang="de-DE" smtClean="0"/>
-              <a:t>11.11.18</a:t>
+              <a:t>15.11.18</a:t>
             </a:fld>
             <a:endParaRPr lang="de-DE"/>
           </a:p>
@@ -413,7 +413,7 @@
           <a:p>
             <a:fld id="{2DF69B4B-5AE9-AC4D-9EFA-9FD7F0F1516D}" type="datetimeFigureOut">
               <a:rPr lang="de-DE" smtClean="0"/>
-              <a:t>11.11.18</a:t>
+              <a:t>15.11.18</a:t>
             </a:fld>
             <a:endParaRPr lang="de-DE"/>
           </a:p>
@@ -593,7 +593,7 @@
           <a:p>
             <a:fld id="{2DF69B4B-5AE9-AC4D-9EFA-9FD7F0F1516D}" type="datetimeFigureOut">
               <a:rPr lang="de-DE" smtClean="0"/>
-              <a:t>11.11.18</a:t>
+              <a:t>15.11.18</a:t>
             </a:fld>
             <a:endParaRPr lang="de-DE"/>
           </a:p>
@@ -763,7 +763,7 @@
           <a:p>
             <a:fld id="{2DF69B4B-5AE9-AC4D-9EFA-9FD7F0F1516D}" type="datetimeFigureOut">
               <a:rPr lang="de-DE" smtClean="0"/>
-              <a:t>11.11.18</a:t>
+              <a:t>15.11.18</a:t>
             </a:fld>
             <a:endParaRPr lang="de-DE"/>
           </a:p>
@@ -1007,7 +1007,7 @@
           <a:p>
             <a:fld id="{2DF69B4B-5AE9-AC4D-9EFA-9FD7F0F1516D}" type="datetimeFigureOut">
               <a:rPr lang="de-DE" smtClean="0"/>
-              <a:t>11.11.18</a:t>
+              <a:t>15.11.18</a:t>
             </a:fld>
             <a:endParaRPr lang="de-DE"/>
           </a:p>
@@ -1239,7 +1239,7 @@
           <a:p>
             <a:fld id="{2DF69B4B-5AE9-AC4D-9EFA-9FD7F0F1516D}" type="datetimeFigureOut">
               <a:rPr lang="de-DE" smtClean="0"/>
-              <a:t>11.11.18</a:t>
+              <a:t>15.11.18</a:t>
             </a:fld>
             <a:endParaRPr lang="de-DE"/>
           </a:p>
@@ -1606,7 +1606,7 @@
           <a:p>
             <a:fld id="{2DF69B4B-5AE9-AC4D-9EFA-9FD7F0F1516D}" type="datetimeFigureOut">
               <a:rPr lang="de-DE" smtClean="0"/>
-              <a:t>11.11.18</a:t>
+              <a:t>15.11.18</a:t>
             </a:fld>
             <a:endParaRPr lang="de-DE"/>
           </a:p>
@@ -1724,7 +1724,7 @@
           <a:p>
             <a:fld id="{2DF69B4B-5AE9-AC4D-9EFA-9FD7F0F1516D}" type="datetimeFigureOut">
               <a:rPr lang="de-DE" smtClean="0"/>
-              <a:t>11.11.18</a:t>
+              <a:t>15.11.18</a:t>
             </a:fld>
             <a:endParaRPr lang="de-DE"/>
           </a:p>
@@ -1819,7 +1819,7 @@
           <a:p>
             <a:fld id="{2DF69B4B-5AE9-AC4D-9EFA-9FD7F0F1516D}" type="datetimeFigureOut">
               <a:rPr lang="de-DE" smtClean="0"/>
-              <a:t>11.11.18</a:t>
+              <a:t>15.11.18</a:t>
             </a:fld>
             <a:endParaRPr lang="de-DE"/>
           </a:p>
@@ -2096,7 +2096,7 @@
           <a:p>
             <a:fld id="{2DF69B4B-5AE9-AC4D-9EFA-9FD7F0F1516D}" type="datetimeFigureOut">
               <a:rPr lang="de-DE" smtClean="0"/>
-              <a:t>11.11.18</a:t>
+              <a:t>15.11.18</a:t>
             </a:fld>
             <a:endParaRPr lang="de-DE"/>
           </a:p>
@@ -2353,7 +2353,7 @@
           <a:p>
             <a:fld id="{2DF69B4B-5AE9-AC4D-9EFA-9FD7F0F1516D}" type="datetimeFigureOut">
               <a:rPr lang="de-DE" smtClean="0"/>
-              <a:t>11.11.18</a:t>
+              <a:t>15.11.18</a:t>
             </a:fld>
             <a:endParaRPr lang="de-DE"/>
           </a:p>
@@ -2566,7 +2566,7 @@
           <a:p>
             <a:fld id="{2DF69B4B-5AE9-AC4D-9EFA-9FD7F0F1516D}" type="datetimeFigureOut">
               <a:rPr lang="de-DE" smtClean="0"/>
-              <a:t>11.11.18</a:t>
+              <a:t>15.11.18</a:t>
             </a:fld>
             <a:endParaRPr lang="de-DE"/>
           </a:p>
@@ -12829,8 +12829,8 @@
         </p:nvSpPr>
         <p:spPr>
           <a:xfrm>
-            <a:off x="2213180" y="6581137"/>
-            <a:ext cx="2002489" cy="1138695"/>
+            <a:off x="2213180" y="6526029"/>
+            <a:ext cx="2102515" cy="995021"/>
           </a:xfrm>
           <a:prstGeom prst="downArrow">
             <a:avLst>
@@ -13197,8 +13197,8 @@
         </p:nvSpPr>
         <p:spPr>
           <a:xfrm>
-            <a:off x="2359977" y="6587579"/>
-            <a:ext cx="1697901" cy="830997"/>
+            <a:off x="2386481" y="6547823"/>
+            <a:ext cx="1743041" cy="461665"/>
           </a:xfrm>
           <a:prstGeom prst="rect">
             <a:avLst/>
@@ -13219,7 +13219,7 @@
                   </a:schemeClr>
                 </a:solidFill>
               </a:rPr>
-              <a:t>3. </a:t>
+              <a:t>3. Re-</a:t>
             </a:r>
             <a:r>
               <a:rPr lang="de-DE" sz="2400" dirty="0" err="1">
@@ -13229,46 +13229,7 @@
                   </a:schemeClr>
                 </a:solidFill>
               </a:rPr>
-              <a:t>re-weight</a:t>
-            </a:r>
-            <a:br>
-              <a:rPr lang="de-DE" sz="2400" dirty="0">
-                <a:solidFill>
-                  <a:schemeClr val="accent6">
-                    <a:lumMod val="75000"/>
-                  </a:schemeClr>
-                </a:solidFill>
-              </a:rPr>
-            </a:br>
-            <a:r>
-              <a:rPr lang="de-DE" sz="2400" dirty="0">
-                <a:solidFill>
-                  <a:schemeClr val="accent6">
-                    <a:lumMod val="75000"/>
-                  </a:schemeClr>
-                </a:solidFill>
-              </a:rPr>
-              <a:t>    </a:t>
-            </a:r>
-            <a:r>
-              <a:rPr lang="de-DE" sz="2400" dirty="0" err="1">
-                <a:solidFill>
-                  <a:schemeClr val="accent6">
-                    <a:lumMod val="75000"/>
-                  </a:schemeClr>
-                </a:solidFill>
-              </a:rPr>
-              <a:t>or</a:t>
-            </a:r>
-            <a:r>
-              <a:rPr lang="de-DE" sz="2400" dirty="0">
-                <a:solidFill>
-                  <a:schemeClr val="accent6">
-                    <a:lumMod val="75000"/>
-                  </a:schemeClr>
-                </a:solidFill>
-              </a:rPr>
-              <a:t> sample</a:t>
+              <a:t>weight</a:t>
             </a:r>
             <a:endParaRPr lang="de-DE" sz="2400" baseline="-25000" dirty="0">
               <a:solidFill>
